--- a/Plan/기타문서/기획서/캐릭터.pptx
+++ b/Plan/기타문서/기획서/캐릭터.pptx
@@ -6,7 +6,6 @@
   </p:sldMasterIdLst>
   <p:sldIdLst>
     <p:sldId id="256" r:id="rId2"/>
-    <p:sldId id="257" r:id="rId3"/>
   </p:sldIdLst>
   <p:sldSz cx="6858000" cy="9906000" type="A4"/>
   <p:notesSz cx="6858000" cy="9144000"/>
@@ -105,6 +104,11 @@
       </a:defRPr>
     </a:lvl9pPr>
   </p:defaultTextStyle>
+  <p:extLst>
+    <p:ext uri="{EFAFB233-063F-42B5-8137-9DF3F51BA10A}">
+      <p15:sldGuideLst xmlns:p15="http://schemas.microsoft.com/office/powerpoint/2012/main"/>
+    </p:ext>
+  </p:extLst>
 </p:presentation>
 </file>
 
@@ -239,7 +243,7 @@
           <a:p>
             <a:fld id="{ADD4F2FC-0680-44BC-855B-342BBFC7E46F}" type="datetimeFigureOut">
               <a:rPr lang="ko-KR" altLang="en-US" smtClean="0"/>
-              <a:t>2024-04-24</a:t>
+              <a:t>2024-04-26</a:t>
             </a:fld>
             <a:endParaRPr lang="ko-KR" altLang="en-US"/>
           </a:p>
@@ -409,7 +413,7 @@
           <a:p>
             <a:fld id="{ADD4F2FC-0680-44BC-855B-342BBFC7E46F}" type="datetimeFigureOut">
               <a:rPr lang="ko-KR" altLang="en-US" smtClean="0"/>
-              <a:t>2024-04-24</a:t>
+              <a:t>2024-04-26</a:t>
             </a:fld>
             <a:endParaRPr lang="ko-KR" altLang="en-US"/>
           </a:p>
@@ -589,7 +593,7 @@
           <a:p>
             <a:fld id="{ADD4F2FC-0680-44BC-855B-342BBFC7E46F}" type="datetimeFigureOut">
               <a:rPr lang="ko-KR" altLang="en-US" smtClean="0"/>
-              <a:t>2024-04-24</a:t>
+              <a:t>2024-04-26</a:t>
             </a:fld>
             <a:endParaRPr lang="ko-KR" altLang="en-US"/>
           </a:p>
@@ -759,7 +763,7 @@
           <a:p>
             <a:fld id="{ADD4F2FC-0680-44BC-855B-342BBFC7E46F}" type="datetimeFigureOut">
               <a:rPr lang="ko-KR" altLang="en-US" smtClean="0"/>
-              <a:t>2024-04-24</a:t>
+              <a:t>2024-04-26</a:t>
             </a:fld>
             <a:endParaRPr lang="ko-KR" altLang="en-US"/>
           </a:p>
@@ -1005,7 +1009,7 @@
           <a:p>
             <a:fld id="{ADD4F2FC-0680-44BC-855B-342BBFC7E46F}" type="datetimeFigureOut">
               <a:rPr lang="ko-KR" altLang="en-US" smtClean="0"/>
-              <a:t>2024-04-24</a:t>
+              <a:t>2024-04-26</a:t>
             </a:fld>
             <a:endParaRPr lang="ko-KR" altLang="en-US"/>
           </a:p>
@@ -1237,7 +1241,7 @@
           <a:p>
             <a:fld id="{ADD4F2FC-0680-44BC-855B-342BBFC7E46F}" type="datetimeFigureOut">
               <a:rPr lang="ko-KR" altLang="en-US" smtClean="0"/>
-              <a:t>2024-04-24</a:t>
+              <a:t>2024-04-26</a:t>
             </a:fld>
             <a:endParaRPr lang="ko-KR" altLang="en-US"/>
           </a:p>
@@ -1604,7 +1608,7 @@
           <a:p>
             <a:fld id="{ADD4F2FC-0680-44BC-855B-342BBFC7E46F}" type="datetimeFigureOut">
               <a:rPr lang="ko-KR" altLang="en-US" smtClean="0"/>
-              <a:t>2024-04-24</a:t>
+              <a:t>2024-04-26</a:t>
             </a:fld>
             <a:endParaRPr lang="ko-KR" altLang="en-US"/>
           </a:p>
@@ -1722,7 +1726,7 @@
           <a:p>
             <a:fld id="{ADD4F2FC-0680-44BC-855B-342BBFC7E46F}" type="datetimeFigureOut">
               <a:rPr lang="ko-KR" altLang="en-US" smtClean="0"/>
-              <a:t>2024-04-24</a:t>
+              <a:t>2024-04-26</a:t>
             </a:fld>
             <a:endParaRPr lang="ko-KR" altLang="en-US"/>
           </a:p>
@@ -1817,7 +1821,7 @@
           <a:p>
             <a:fld id="{ADD4F2FC-0680-44BC-855B-342BBFC7E46F}" type="datetimeFigureOut">
               <a:rPr lang="ko-KR" altLang="en-US" smtClean="0"/>
-              <a:t>2024-04-24</a:t>
+              <a:t>2024-04-26</a:t>
             </a:fld>
             <a:endParaRPr lang="ko-KR" altLang="en-US"/>
           </a:p>
@@ -2094,7 +2098,7 @@
           <a:p>
             <a:fld id="{ADD4F2FC-0680-44BC-855B-342BBFC7E46F}" type="datetimeFigureOut">
               <a:rPr lang="ko-KR" altLang="en-US" smtClean="0"/>
-              <a:t>2024-04-24</a:t>
+              <a:t>2024-04-26</a:t>
             </a:fld>
             <a:endParaRPr lang="ko-KR" altLang="en-US"/>
           </a:p>
@@ -2351,7 +2355,7 @@
           <a:p>
             <a:fld id="{ADD4F2FC-0680-44BC-855B-342BBFC7E46F}" type="datetimeFigureOut">
               <a:rPr lang="ko-KR" altLang="en-US" smtClean="0"/>
-              <a:t>2024-04-24</a:t>
+              <a:t>2024-04-26</a:t>
             </a:fld>
             <a:endParaRPr lang="ko-KR" altLang="en-US"/>
           </a:p>
@@ -2564,7 +2568,7 @@
           <a:p>
             <a:fld id="{ADD4F2FC-0680-44BC-855B-342BBFC7E46F}" type="datetimeFigureOut">
               <a:rPr lang="ko-KR" altLang="en-US" smtClean="0"/>
-              <a:t>2024-04-24</a:t>
+              <a:t>2024-04-26</a:t>
             </a:fld>
             <a:endParaRPr lang="ko-KR" altLang="en-US"/>
           </a:p>
@@ -3354,7 +3358,7 @@
           <a:p>
             <a:r>
               <a:rPr lang="ko-KR" altLang="en-US" dirty="0"/>
-              <a:t>성격 특성 </a:t>
+              <a:t>가치관 특성 </a:t>
             </a:r>
             <a:r>
               <a:rPr lang="en-US" altLang="ko-KR" dirty="0"/>
@@ -4303,725 +4307,6 @@
     <p:extLst>
       <p:ext uri="{BB962C8B-B14F-4D97-AF65-F5344CB8AC3E}">
         <p14:creationId xmlns:p14="http://schemas.microsoft.com/office/powerpoint/2010/main" val="1949785454"/>
-      </p:ext>
-    </p:extLst>
-  </p:cSld>
-  <p:clrMapOvr>
-    <a:masterClrMapping/>
-  </p:clrMapOvr>
-</p:sld>
-</file>
-
-<file path=ppt/slides/slide2.xml><?xml version="1.0" encoding="utf-8"?>
-<p:sld xmlns:a="http://schemas.openxmlformats.org/drawingml/2006/main" xmlns:r="http://schemas.openxmlformats.org/officeDocument/2006/relationships" xmlns:p="http://schemas.openxmlformats.org/presentationml/2006/main">
-  <p:cSld>
-    <p:spTree>
-      <p:nvGrpSpPr>
-        <p:cNvPr id="1" name=""/>
-        <p:cNvGrpSpPr/>
-        <p:nvPr/>
-      </p:nvGrpSpPr>
-      <p:grpSpPr>
-        <a:xfrm>
-          <a:off x="0" y="0"/>
-          <a:ext cx="0" cy="0"/>
-          <a:chOff x="0" y="0"/>
-          <a:chExt cx="0" cy="0"/>
-        </a:xfrm>
-      </p:grpSpPr>
-      <p:sp>
-        <p:nvSpPr>
-          <p:cNvPr id="4" name="TextBox 3">
-            <a:extLst>
-              <a:ext uri="{FF2B5EF4-FFF2-40B4-BE49-F238E27FC236}">
-                <a16:creationId xmlns:a16="http://schemas.microsoft.com/office/drawing/2014/main" id="{444AE9E9-152A-1419-DA10-3AC5C8F4D1EE}"/>
-              </a:ext>
-            </a:extLst>
-          </p:cNvPr>
-          <p:cNvSpPr txBox="1"/>
-          <p:nvPr/>
-        </p:nvSpPr>
-        <p:spPr>
-          <a:xfrm>
-            <a:off x="2867684" y="76954"/>
-            <a:ext cx="914400" cy="369332"/>
-          </a:xfrm>
-          <a:prstGeom prst="rect">
-            <a:avLst/>
-          </a:prstGeom>
-          <a:noFill/>
-        </p:spPr>
-        <p:txBody>
-          <a:bodyPr wrap="square" rtlCol="0">
-            <a:spAutoFit/>
-          </a:bodyPr>
-          <a:lstStyle/>
-          <a:p>
-            <a:pPr algn="ctr"/>
-            <a:r>
-              <a:rPr lang="ko-KR" altLang="en-US" b="1" dirty="0"/>
-              <a:t>영웅</a:t>
-            </a:r>
-          </a:p>
-        </p:txBody>
-      </p:sp>
-      <p:sp>
-        <p:nvSpPr>
-          <p:cNvPr id="7" name="TextBox 6">
-            <a:extLst>
-              <a:ext uri="{FF2B5EF4-FFF2-40B4-BE49-F238E27FC236}">
-                <a16:creationId xmlns:a16="http://schemas.microsoft.com/office/drawing/2014/main" id="{812C5F82-CD74-CAEC-828C-7F37CF50A26D}"/>
-              </a:ext>
-            </a:extLst>
-          </p:cNvPr>
-          <p:cNvSpPr txBox="1"/>
-          <p:nvPr/>
-        </p:nvSpPr>
-        <p:spPr>
-          <a:xfrm>
-            <a:off x="3324884" y="579422"/>
-            <a:ext cx="1566252" cy="369332"/>
-          </a:xfrm>
-          <a:prstGeom prst="rect">
-            <a:avLst/>
-          </a:prstGeom>
-          <a:noFill/>
-        </p:spPr>
-        <p:txBody>
-          <a:bodyPr wrap="square" rtlCol="0">
-            <a:spAutoFit/>
-          </a:bodyPr>
-          <a:lstStyle/>
-          <a:p>
-            <a:r>
-              <a:rPr lang="ko-KR" altLang="en-US" dirty="0"/>
-              <a:t>장 </a:t>
-            </a:r>
-            <a:r>
-              <a:rPr lang="ko-KR" altLang="en-US" dirty="0" err="1"/>
-              <a:t>체퓨</a:t>
-            </a:r>
-            <a:r>
-              <a:rPr lang="ko-KR" altLang="en-US" dirty="0"/>
-              <a:t> </a:t>
-            </a:r>
-            <a:r>
-              <a:rPr lang="en-US" altLang="ko-KR" dirty="0"/>
-              <a:t>/ </a:t>
-            </a:r>
-            <a:r>
-              <a:rPr lang="ko-KR" altLang="en-US" dirty="0"/>
-              <a:t>남성</a:t>
-            </a:r>
-          </a:p>
-        </p:txBody>
-      </p:sp>
-      <p:sp>
-        <p:nvSpPr>
-          <p:cNvPr id="8" name="TextBox 7">
-            <a:extLst>
-              <a:ext uri="{FF2B5EF4-FFF2-40B4-BE49-F238E27FC236}">
-                <a16:creationId xmlns:a16="http://schemas.microsoft.com/office/drawing/2014/main" id="{4BC94F13-763A-4C0E-3BEC-5CBE61B6723E}"/>
-              </a:ext>
-            </a:extLst>
-          </p:cNvPr>
-          <p:cNvSpPr txBox="1"/>
-          <p:nvPr/>
-        </p:nvSpPr>
-        <p:spPr>
-          <a:xfrm>
-            <a:off x="3327147" y="1081890"/>
-            <a:ext cx="1566252" cy="369332"/>
-          </a:xfrm>
-          <a:prstGeom prst="rect">
-            <a:avLst/>
-          </a:prstGeom>
-          <a:noFill/>
-        </p:spPr>
-        <p:txBody>
-          <a:bodyPr wrap="square" rtlCol="0">
-            <a:spAutoFit/>
-          </a:bodyPr>
-          <a:lstStyle/>
-          <a:p>
-            <a:r>
-              <a:rPr lang="ko-KR" altLang="en-US" dirty="0"/>
-              <a:t>인간 </a:t>
-            </a:r>
-            <a:r>
-              <a:rPr lang="en-US" altLang="ko-KR" dirty="0"/>
-              <a:t>/ </a:t>
-            </a:r>
-            <a:r>
-              <a:rPr lang="ko-KR" altLang="en-US" dirty="0"/>
-              <a:t>전사</a:t>
-            </a:r>
-          </a:p>
-        </p:txBody>
-      </p:sp>
-      <p:sp>
-        <p:nvSpPr>
-          <p:cNvPr id="9" name="직사각형 8">
-            <a:extLst>
-              <a:ext uri="{FF2B5EF4-FFF2-40B4-BE49-F238E27FC236}">
-                <a16:creationId xmlns:a16="http://schemas.microsoft.com/office/drawing/2014/main" id="{F6FDE67C-AC64-2851-705A-2F9174067FD8}"/>
-              </a:ext>
-            </a:extLst>
-          </p:cNvPr>
-          <p:cNvSpPr/>
-          <p:nvPr/>
-        </p:nvSpPr>
-        <p:spPr>
-          <a:xfrm>
-            <a:off x="3098548" y="2589291"/>
-            <a:ext cx="722014" cy="706170"/>
-          </a:xfrm>
-          <a:prstGeom prst="rect">
-            <a:avLst/>
-          </a:prstGeom>
-        </p:spPr>
-        <p:style>
-          <a:lnRef idx="2">
-            <a:schemeClr val="accent1">
-              <a:shade val="15000"/>
-            </a:schemeClr>
-          </a:lnRef>
-          <a:fillRef idx="1">
-            <a:schemeClr val="accent1"/>
-          </a:fillRef>
-          <a:effectRef idx="0">
-            <a:schemeClr val="accent1"/>
-          </a:effectRef>
-          <a:fontRef idx="minor">
-            <a:schemeClr val="lt1"/>
-          </a:fontRef>
-        </p:style>
-        <p:txBody>
-          <a:bodyPr rtlCol="0" anchor="ctr"/>
-          <a:lstStyle/>
-          <a:p>
-            <a:pPr algn="ctr"/>
-            <a:r>
-              <a:rPr lang="ko-KR" altLang="en-US" sz="1400" dirty="0"/>
-              <a:t>장신구</a:t>
-            </a:r>
-          </a:p>
-        </p:txBody>
-      </p:sp>
-      <p:sp>
-        <p:nvSpPr>
-          <p:cNvPr id="10" name="직사각형 9">
-            <a:extLst>
-              <a:ext uri="{FF2B5EF4-FFF2-40B4-BE49-F238E27FC236}">
-                <a16:creationId xmlns:a16="http://schemas.microsoft.com/office/drawing/2014/main" id="{57E3574B-B434-BCDA-FB9E-078699F66E8F}"/>
-              </a:ext>
-            </a:extLst>
-          </p:cNvPr>
-          <p:cNvSpPr/>
-          <p:nvPr/>
-        </p:nvSpPr>
-        <p:spPr>
-          <a:xfrm>
-            <a:off x="4087640" y="2589291"/>
-            <a:ext cx="722014" cy="706170"/>
-          </a:xfrm>
-          <a:prstGeom prst="rect">
-            <a:avLst/>
-          </a:prstGeom>
-        </p:spPr>
-        <p:style>
-          <a:lnRef idx="2">
-            <a:schemeClr val="accent1">
-              <a:shade val="15000"/>
-            </a:schemeClr>
-          </a:lnRef>
-          <a:fillRef idx="1">
-            <a:schemeClr val="accent1"/>
-          </a:fillRef>
-          <a:effectRef idx="0">
-            <a:schemeClr val="accent1"/>
-          </a:effectRef>
-          <a:fontRef idx="minor">
-            <a:schemeClr val="lt1"/>
-          </a:fontRef>
-        </p:style>
-        <p:txBody>
-          <a:bodyPr rtlCol="0" anchor="ctr"/>
-          <a:lstStyle/>
-          <a:p>
-            <a:pPr marL="0" marR="0" lvl="0" indent="0" algn="ctr" defTabSz="457200" rtl="0" eaLnBrk="1" fontAlgn="auto" latinLnBrk="0" hangingPunct="1">
-              <a:lnSpc>
-                <a:spcPct val="100000"/>
-              </a:lnSpc>
-              <a:spcBef>
-                <a:spcPts val="0"/>
-              </a:spcBef>
-              <a:spcAft>
-                <a:spcPts val="0"/>
-              </a:spcAft>
-              <a:buClrTx/>
-              <a:buSzTx/>
-              <a:buFontTx/>
-              <a:buNone/>
-              <a:tabLst/>
-              <a:defRPr/>
-            </a:pPr>
-            <a:r>
-              <a:rPr kumimoji="0" lang="ko-KR" altLang="en-US" sz="1400" b="0" i="0" u="none" strike="noStrike" kern="1200" cap="none" spc="0" normalizeH="0" baseline="0" noProof="0" dirty="0">
-                <a:ln>
-                  <a:noFill/>
-                </a:ln>
-                <a:solidFill>
-                  <a:prstClr val="white"/>
-                </a:solidFill>
-                <a:effectLst/>
-                <a:uLnTx/>
-                <a:uFillTx/>
-                <a:latin typeface="Aptos" panose="02110004020202020204"/>
-                <a:ea typeface="맑은 고딕" panose="020B0503020000020004" pitchFamily="50" charset="-127"/>
-                <a:cs typeface="+mn-cs"/>
-              </a:rPr>
-              <a:t>장신구</a:t>
-            </a:r>
-          </a:p>
-        </p:txBody>
-      </p:sp>
-      <p:sp>
-        <p:nvSpPr>
-          <p:cNvPr id="11" name="직사각형 10">
-            <a:extLst>
-              <a:ext uri="{FF2B5EF4-FFF2-40B4-BE49-F238E27FC236}">
-                <a16:creationId xmlns:a16="http://schemas.microsoft.com/office/drawing/2014/main" id="{9DC30A94-D701-6F1B-2865-F572A6074205}"/>
-              </a:ext>
-            </a:extLst>
-          </p:cNvPr>
-          <p:cNvSpPr/>
-          <p:nvPr/>
-        </p:nvSpPr>
-        <p:spPr>
-          <a:xfrm>
-            <a:off x="5076732" y="2589291"/>
-            <a:ext cx="722014" cy="706170"/>
-          </a:xfrm>
-          <a:prstGeom prst="rect">
-            <a:avLst/>
-          </a:prstGeom>
-        </p:spPr>
-        <p:style>
-          <a:lnRef idx="2">
-            <a:schemeClr val="accent1">
-              <a:shade val="15000"/>
-            </a:schemeClr>
-          </a:lnRef>
-          <a:fillRef idx="1">
-            <a:schemeClr val="accent1"/>
-          </a:fillRef>
-          <a:effectRef idx="0">
-            <a:schemeClr val="accent1"/>
-          </a:effectRef>
-          <a:fontRef idx="minor">
-            <a:schemeClr val="lt1"/>
-          </a:fontRef>
-        </p:style>
-        <p:txBody>
-          <a:bodyPr rtlCol="0" anchor="ctr"/>
-          <a:lstStyle/>
-          <a:p>
-            <a:pPr algn="ctr"/>
-            <a:r>
-              <a:rPr lang="ko-KR" altLang="en-US" dirty="0"/>
-              <a:t>몸</a:t>
-            </a:r>
-          </a:p>
-        </p:txBody>
-      </p:sp>
-      <p:sp>
-        <p:nvSpPr>
-          <p:cNvPr id="12" name="TextBox 11">
-            <a:extLst>
-              <a:ext uri="{FF2B5EF4-FFF2-40B4-BE49-F238E27FC236}">
-                <a16:creationId xmlns:a16="http://schemas.microsoft.com/office/drawing/2014/main" id="{79737D29-473F-71BE-4B3F-4DA58B92B958}"/>
-              </a:ext>
-            </a:extLst>
-          </p:cNvPr>
-          <p:cNvSpPr txBox="1"/>
-          <p:nvPr/>
-        </p:nvSpPr>
-        <p:spPr>
-          <a:xfrm>
-            <a:off x="3327147" y="1584355"/>
-            <a:ext cx="2856370" cy="369332"/>
-          </a:xfrm>
-          <a:prstGeom prst="rect">
-            <a:avLst/>
-          </a:prstGeom>
-          <a:noFill/>
-        </p:spPr>
-        <p:txBody>
-          <a:bodyPr wrap="square" rtlCol="0">
-            <a:spAutoFit/>
-          </a:bodyPr>
-          <a:lstStyle/>
-          <a:p>
-            <a:r>
-              <a:rPr lang="ko-KR" altLang="en-US" dirty="0"/>
-              <a:t>성격 특성 </a:t>
-            </a:r>
-            <a:r>
-              <a:rPr lang="en-US" altLang="ko-KR" dirty="0"/>
-              <a:t>(</a:t>
-            </a:r>
-            <a:r>
-              <a:rPr lang="ko-KR" altLang="en-US" dirty="0"/>
-              <a:t>최대 </a:t>
-            </a:r>
-            <a:r>
-              <a:rPr lang="en-US" altLang="ko-KR" dirty="0"/>
-              <a:t>3</a:t>
-            </a:r>
-            <a:r>
-              <a:rPr lang="ko-KR" altLang="en-US" dirty="0"/>
-              <a:t>개</a:t>
-            </a:r>
-            <a:r>
-              <a:rPr lang="en-US" altLang="ko-KR" dirty="0"/>
-              <a:t>)</a:t>
-            </a:r>
-            <a:endParaRPr lang="ko-KR" altLang="en-US" dirty="0"/>
-          </a:p>
-        </p:txBody>
-      </p:sp>
-      <p:sp>
-        <p:nvSpPr>
-          <p:cNvPr id="13" name="TextBox 12">
-            <a:extLst>
-              <a:ext uri="{FF2B5EF4-FFF2-40B4-BE49-F238E27FC236}">
-                <a16:creationId xmlns:a16="http://schemas.microsoft.com/office/drawing/2014/main" id="{C1FD2596-09FE-6FF5-9A41-49AE053F9940}"/>
-              </a:ext>
-            </a:extLst>
-          </p:cNvPr>
-          <p:cNvSpPr txBox="1"/>
-          <p:nvPr/>
-        </p:nvSpPr>
-        <p:spPr>
-          <a:xfrm>
-            <a:off x="334978" y="4838903"/>
-            <a:ext cx="5848539" cy="369332"/>
-          </a:xfrm>
-          <a:prstGeom prst="rect">
-            <a:avLst/>
-          </a:prstGeom>
-          <a:noFill/>
-        </p:spPr>
-        <p:txBody>
-          <a:bodyPr wrap="square" rtlCol="0">
-            <a:spAutoFit/>
-          </a:bodyPr>
-          <a:lstStyle/>
-          <a:p>
-            <a:r>
-              <a:rPr lang="ko-KR" altLang="en-US" b="1" dirty="0"/>
-              <a:t>스킬 특성 </a:t>
-            </a:r>
-            <a:r>
-              <a:rPr lang="en-US" altLang="ko-KR" b="1" dirty="0"/>
-              <a:t>(</a:t>
-            </a:r>
-            <a:r>
-              <a:rPr lang="ko-KR" altLang="en-US" b="1" dirty="0"/>
-              <a:t>최대 </a:t>
-            </a:r>
-            <a:r>
-              <a:rPr lang="en-US" altLang="ko-KR" b="1" dirty="0"/>
-              <a:t>3</a:t>
-            </a:r>
-            <a:r>
-              <a:rPr lang="ko-KR" altLang="en-US" b="1" dirty="0"/>
-              <a:t>개</a:t>
-            </a:r>
-            <a:r>
-              <a:rPr lang="en-US" altLang="ko-KR" b="1" dirty="0"/>
-              <a:t>)</a:t>
-            </a:r>
-            <a:endParaRPr lang="ko-KR" altLang="en-US" b="1" dirty="0"/>
-          </a:p>
-        </p:txBody>
-      </p:sp>
-      <p:sp>
-        <p:nvSpPr>
-          <p:cNvPr id="14" name="TextBox 13">
-            <a:extLst>
-              <a:ext uri="{FF2B5EF4-FFF2-40B4-BE49-F238E27FC236}">
-                <a16:creationId xmlns:a16="http://schemas.microsoft.com/office/drawing/2014/main" id="{BD80B212-6CD0-23A0-897D-00A339B24681}"/>
-              </a:ext>
-            </a:extLst>
-          </p:cNvPr>
-          <p:cNvSpPr txBox="1"/>
-          <p:nvPr/>
-        </p:nvSpPr>
-        <p:spPr>
-          <a:xfrm>
-            <a:off x="334977" y="5335109"/>
-            <a:ext cx="5993395" cy="369332"/>
-          </a:xfrm>
-          <a:prstGeom prst="rect">
-            <a:avLst/>
-          </a:prstGeom>
-          <a:noFill/>
-        </p:spPr>
-        <p:txBody>
-          <a:bodyPr wrap="square" rtlCol="0">
-            <a:spAutoFit/>
-          </a:bodyPr>
-          <a:lstStyle/>
-          <a:p>
-            <a:r>
-              <a:rPr lang="ko-KR" altLang="en-US" dirty="0"/>
-              <a:t>기획서 가르기 </a:t>
-            </a:r>
-            <a:r>
-              <a:rPr lang="en-US" altLang="ko-KR" dirty="0"/>
-              <a:t>1, </a:t>
-            </a:r>
-            <a:r>
-              <a:rPr lang="ko-KR" altLang="en-US" dirty="0"/>
-              <a:t>기획서 가르기 </a:t>
-            </a:r>
-            <a:r>
-              <a:rPr lang="en-US" altLang="ko-KR" dirty="0"/>
-              <a:t>2, </a:t>
-            </a:r>
-            <a:r>
-              <a:rPr lang="ko-KR" altLang="en-US" dirty="0"/>
-              <a:t>기획서 가르기 </a:t>
-            </a:r>
-            <a:r>
-              <a:rPr lang="en-US" altLang="ko-KR" dirty="0"/>
-              <a:t>3</a:t>
-            </a:r>
-            <a:endParaRPr lang="ko-KR" altLang="en-US" dirty="0"/>
-          </a:p>
-        </p:txBody>
-      </p:sp>
-      <p:sp>
-        <p:nvSpPr>
-          <p:cNvPr id="15" name="TextBox 14">
-            <a:extLst>
-              <a:ext uri="{FF2B5EF4-FFF2-40B4-BE49-F238E27FC236}">
-                <a16:creationId xmlns:a16="http://schemas.microsoft.com/office/drawing/2014/main" id="{21087E98-A127-FCB9-EF59-AFB2BB78BFD4}"/>
-              </a:ext>
-            </a:extLst>
-          </p:cNvPr>
-          <p:cNvSpPr txBox="1"/>
-          <p:nvPr/>
-        </p:nvSpPr>
-        <p:spPr>
-          <a:xfrm>
-            <a:off x="334978" y="5916519"/>
-            <a:ext cx="5848539" cy="369332"/>
-          </a:xfrm>
-          <a:prstGeom prst="rect">
-            <a:avLst/>
-          </a:prstGeom>
-          <a:noFill/>
-        </p:spPr>
-        <p:txBody>
-          <a:bodyPr wrap="square" rtlCol="0">
-            <a:spAutoFit/>
-          </a:bodyPr>
-          <a:lstStyle/>
-          <a:p>
-            <a:r>
-              <a:rPr lang="ko-KR" altLang="en-US" b="1" dirty="0"/>
-              <a:t>일반 특성</a:t>
-            </a:r>
-          </a:p>
-        </p:txBody>
-      </p:sp>
-      <p:sp>
-        <p:nvSpPr>
-          <p:cNvPr id="16" name="TextBox 15">
-            <a:extLst>
-              <a:ext uri="{FF2B5EF4-FFF2-40B4-BE49-F238E27FC236}">
-                <a16:creationId xmlns:a16="http://schemas.microsoft.com/office/drawing/2014/main" id="{0715F8AF-D01A-05BC-F0D4-CE8EE8D845F0}"/>
-              </a:ext>
-            </a:extLst>
-          </p:cNvPr>
-          <p:cNvSpPr txBox="1"/>
-          <p:nvPr/>
-        </p:nvSpPr>
-        <p:spPr>
-          <a:xfrm>
-            <a:off x="334977" y="6412725"/>
-            <a:ext cx="5993395" cy="369332"/>
-          </a:xfrm>
-          <a:prstGeom prst="rect">
-            <a:avLst/>
-          </a:prstGeom>
-          <a:noFill/>
-        </p:spPr>
-        <p:txBody>
-          <a:bodyPr wrap="square" rtlCol="0">
-            <a:spAutoFit/>
-          </a:bodyPr>
-          <a:lstStyle/>
-          <a:p>
-            <a:r>
-              <a:rPr lang="ko-KR" altLang="en-US" dirty="0"/>
-              <a:t>평범</a:t>
-            </a:r>
-          </a:p>
-        </p:txBody>
-      </p:sp>
-      <p:sp>
-        <p:nvSpPr>
-          <p:cNvPr id="17" name="직사각형 16">
-            <a:extLst>
-              <a:ext uri="{FF2B5EF4-FFF2-40B4-BE49-F238E27FC236}">
-                <a16:creationId xmlns:a16="http://schemas.microsoft.com/office/drawing/2014/main" id="{AA0408D4-201E-48E8-CAC4-DC33A88CAE63}"/>
-              </a:ext>
-            </a:extLst>
-          </p:cNvPr>
-          <p:cNvSpPr/>
-          <p:nvPr/>
-        </p:nvSpPr>
-        <p:spPr>
-          <a:xfrm>
-            <a:off x="6065824" y="2589291"/>
-            <a:ext cx="722014" cy="706170"/>
-          </a:xfrm>
-          <a:prstGeom prst="rect">
-            <a:avLst/>
-          </a:prstGeom>
-        </p:spPr>
-        <p:style>
-          <a:lnRef idx="2">
-            <a:schemeClr val="accent1">
-              <a:shade val="15000"/>
-            </a:schemeClr>
-          </a:lnRef>
-          <a:fillRef idx="1">
-            <a:schemeClr val="accent1"/>
-          </a:fillRef>
-          <a:effectRef idx="0">
-            <a:schemeClr val="accent1"/>
-          </a:effectRef>
-          <a:fontRef idx="minor">
-            <a:schemeClr val="lt1"/>
-          </a:fontRef>
-        </p:style>
-        <p:txBody>
-          <a:bodyPr rtlCol="0" anchor="ctr"/>
-          <a:lstStyle/>
-          <a:p>
-            <a:pPr algn="ctr"/>
-            <a:r>
-              <a:rPr lang="ko-KR" altLang="en-US" dirty="0"/>
-              <a:t>무기</a:t>
-            </a:r>
-          </a:p>
-        </p:txBody>
-      </p:sp>
-      <p:sp>
-        <p:nvSpPr>
-          <p:cNvPr id="18" name="TextBox 17">
-            <a:extLst>
-              <a:ext uri="{FF2B5EF4-FFF2-40B4-BE49-F238E27FC236}">
-                <a16:creationId xmlns:a16="http://schemas.microsoft.com/office/drawing/2014/main" id="{68F078B8-FED7-9C2B-860C-156DA414D52D}"/>
-              </a:ext>
-            </a:extLst>
-          </p:cNvPr>
-          <p:cNvSpPr txBox="1"/>
-          <p:nvPr/>
-        </p:nvSpPr>
-        <p:spPr>
-          <a:xfrm>
-            <a:off x="334978" y="3819079"/>
-            <a:ext cx="5848539" cy="369332"/>
-          </a:xfrm>
-          <a:prstGeom prst="rect">
-            <a:avLst/>
-          </a:prstGeom>
-          <a:noFill/>
-        </p:spPr>
-        <p:txBody>
-          <a:bodyPr wrap="square" rtlCol="0">
-            <a:spAutoFit/>
-          </a:bodyPr>
-          <a:lstStyle/>
-          <a:p>
-            <a:r>
-              <a:rPr lang="ko-KR" altLang="en-US" b="1" dirty="0" err="1"/>
-              <a:t>스테이터스</a:t>
-            </a:r>
-            <a:endParaRPr lang="ko-KR" altLang="en-US" b="1" dirty="0"/>
-          </a:p>
-        </p:txBody>
-      </p:sp>
-      <p:sp>
-        <p:nvSpPr>
-          <p:cNvPr id="19" name="TextBox 18">
-            <a:extLst>
-              <a:ext uri="{FF2B5EF4-FFF2-40B4-BE49-F238E27FC236}">
-                <a16:creationId xmlns:a16="http://schemas.microsoft.com/office/drawing/2014/main" id="{E71C485A-8F40-03F8-3C9B-54336F931C21}"/>
-              </a:ext>
-            </a:extLst>
-          </p:cNvPr>
-          <p:cNvSpPr txBox="1"/>
-          <p:nvPr/>
-        </p:nvSpPr>
-        <p:spPr>
-          <a:xfrm>
-            <a:off x="334977" y="4315285"/>
-            <a:ext cx="5993395" cy="369332"/>
-          </a:xfrm>
-          <a:prstGeom prst="rect">
-            <a:avLst/>
-          </a:prstGeom>
-          <a:noFill/>
-        </p:spPr>
-        <p:txBody>
-          <a:bodyPr wrap="square" rtlCol="0">
-            <a:spAutoFit/>
-          </a:bodyPr>
-          <a:lstStyle/>
-          <a:p>
-            <a:r>
-              <a:rPr lang="ko-KR" altLang="en-US" dirty="0"/>
-              <a:t>공격력</a:t>
-            </a:r>
-            <a:r>
-              <a:rPr lang="en-US" altLang="ko-KR" dirty="0"/>
-              <a:t>, </a:t>
-            </a:r>
-            <a:r>
-              <a:rPr lang="ko-KR" altLang="en-US" dirty="0"/>
-              <a:t>최대 체력</a:t>
-            </a:r>
-            <a:r>
-              <a:rPr lang="en-US" altLang="ko-KR" dirty="0"/>
-              <a:t>, </a:t>
-            </a:r>
-            <a:r>
-              <a:rPr lang="ko-KR" altLang="en-US" dirty="0"/>
-              <a:t>방어력</a:t>
-            </a:r>
-            <a:r>
-              <a:rPr lang="en-US" altLang="ko-KR" dirty="0"/>
-              <a:t>, </a:t>
-            </a:r>
-            <a:r>
-              <a:rPr lang="ko-KR" altLang="en-US" dirty="0"/>
-              <a:t>마법 방어력 </a:t>
-            </a:r>
-            <a:endParaRPr lang="en-US" altLang="ko-KR" dirty="0"/>
-          </a:p>
-        </p:txBody>
-      </p:sp>
-    </p:spTree>
-    <p:extLst>
-      <p:ext uri="{BB962C8B-B14F-4D97-AF65-F5344CB8AC3E}">
-        <p14:creationId xmlns:p14="http://schemas.microsoft.com/office/powerpoint/2010/main" val="969227222"/>
       </p:ext>
     </p:extLst>
   </p:cSld>
